--- a/Employee_Data_Analysis_2.pptx raahina.pptx
+++ b/Employee_Data_Analysis_2.pptx raahina.pptx
@@ -7637,7 +7637,35 @@
           <a:p>
             <a:r>
               <a:rPr lang="en-US" sz="2400"/>
-              <a:t>A value proposition is a core component of a modern, actionable data and analytics strategy. Most data and analytics strategies define goals and discuss a roadmap but lack an explicit description of their value proposition(s). However, data and analytics initiatives are not necessarily self-evident.</a:t>
+              <a:t>Conditional formatting=missing</a:t>
+            </a:r>
+            <a:endParaRPr lang="en-US" sz="2400"/>
+          </a:p>
+          <a:p>
+            <a:r>
+              <a:rPr lang="en-US" sz="2400"/>
+              <a:t>Filter=remove</a:t>
+            </a:r>
+            <a:endParaRPr lang="en-US" sz="2400"/>
+          </a:p>
+          <a:p>
+            <a:r>
+              <a:rPr lang="en-US" sz="2400"/>
+              <a:t>Formula=performance</a:t>
+            </a:r>
+            <a:endParaRPr lang="en-US" sz="2400"/>
+          </a:p>
+          <a:p>
+            <a:r>
+              <a:rPr lang="en-US" sz="2400"/>
+              <a:t>Pivot=summary</a:t>
+            </a:r>
+            <a:endParaRPr lang="en-US" sz="2400"/>
+          </a:p>
+          <a:p>
+            <a:r>
+              <a:rPr lang="en-US" sz="2400"/>
+              <a:t>Graph=data visualization</a:t>
             </a:r>
             <a:endParaRPr lang="en-US" sz="2400"/>
           </a:p>
@@ -7700,7 +7728,7 @@
         <p:spPr>
           <a:xfrm>
             <a:off x="1809750" y="1559560"/>
-            <a:ext cx="6423025" cy="2676525"/>
+            <a:ext cx="6423025" cy="3969385"/>
           </a:xfrm>
           <a:prstGeom prst="rect">
             <a:avLst/>
@@ -7714,7 +7742,63 @@
           <a:p>
             <a:r>
               <a:rPr lang="en-US" sz="2800"/>
-              <a:t>Employee analytics can include valuable workforce metrics, such as employee attrition, benefits, and engagement statistics. And, each of these data points weaves the story that reveals the employee experience at your organization</a:t>
+              <a:t>Employee-kaggle</a:t>
+            </a:r>
+            <a:endParaRPr lang="en-US" sz="2800"/>
+          </a:p>
+          <a:p>
+            <a:r>
+              <a:rPr lang="en-US" sz="2800"/>
+              <a:t>26-features</a:t>
+            </a:r>
+            <a:endParaRPr lang="en-US" sz="2800"/>
+          </a:p>
+          <a:p>
+            <a:r>
+              <a:rPr lang="en-US" sz="2800"/>
+              <a:t>9-features</a:t>
+            </a:r>
+            <a:endParaRPr lang="en-US" sz="2800"/>
+          </a:p>
+          <a:p>
+            <a:r>
+              <a:rPr lang="en-US" sz="2800"/>
+              <a:t>employee ID-num</a:t>
+            </a:r>
+            <a:endParaRPr lang="en-US" sz="2800"/>
+          </a:p>
+          <a:p>
+            <a:r>
+              <a:rPr lang="en-US" sz="2800"/>
+              <a:t>Name-text</a:t>
+            </a:r>
+            <a:endParaRPr lang="en-US" sz="2800"/>
+          </a:p>
+          <a:p>
+            <a:r>
+              <a:rPr lang="en-US" sz="2800"/>
+              <a:t>emp type</a:t>
+            </a:r>
+            <a:endParaRPr lang="en-US" sz="2800"/>
+          </a:p>
+          <a:p>
+            <a:r>
+              <a:rPr lang="en-US" sz="2800"/>
+              <a:t>performance category</a:t>
+            </a:r>
+            <a:endParaRPr lang="en-US" sz="2800"/>
+          </a:p>
+          <a:p>
+            <a:r>
+              <a:rPr lang="en-US" sz="2800"/>
+              <a:t>gender-male and female</a:t>
+            </a:r>
+            <a:endParaRPr lang="en-US" sz="2800"/>
+          </a:p>
+          <a:p>
+            <a:r>
+              <a:rPr lang="en-US" sz="2800"/>
+              <a:t>employee rating-num</a:t>
             </a:r>
             <a:endParaRPr lang="en-US" sz="2800"/>
           </a:p>
@@ -8218,8 +8302,8 @@
         </p:nvSpPr>
         <p:spPr>
           <a:xfrm>
-            <a:off x="2375535" y="1676400"/>
-            <a:ext cx="5027930" cy="3373755"/>
+            <a:off x="2438400" y="2057400"/>
+            <a:ext cx="7278370" cy="3373755"/>
           </a:xfrm>
           <a:prstGeom prst="rect">
             <a:avLst/>
@@ -8233,7 +8317,7 @@
           <a:p>
             <a:r>
               <a:rPr lang="en-US" sz="3600"/>
-              <a:t>Its very easy to understand and deal with it...</a:t>
+              <a:t>=IFS(Z8&gt;=5,”VERY HIGH”,Z8&gt;=4,”HIGH”,Z8&gt;=3,”MED”,TRUE,”LOW”)</a:t>
             </a:r>
             <a:endParaRPr lang="en-US" sz="3600"/>
           </a:p>
